--- a/Apresentação.pptx
+++ b/Apresentação.pptx
@@ -5,12 +5,13 @@
     <p:sldMasterId id="2147483686" r:id="rId1"/>
   </p:sldMasterIdLst>
   <p:sldIdLst>
-    <p:sldId id="256" r:id="rId2"/>
-    <p:sldId id="257" r:id="rId3"/>
-    <p:sldId id="258" r:id="rId4"/>
-    <p:sldId id="259" r:id="rId5"/>
-    <p:sldId id="260" r:id="rId6"/>
-    <p:sldId id="261" r:id="rId7"/>
+    <p:sldId id="258" r:id="rId2"/>
+    <p:sldId id="259" r:id="rId3"/>
+    <p:sldId id="260" r:id="rId4"/>
+    <p:sldId id="261" r:id="rId5"/>
+    <p:sldId id="262" r:id="rId6"/>
+    <p:sldId id="263" r:id="rId7"/>
+    <p:sldId id="264" r:id="rId8"/>
   </p:sldIdLst>
   <p:sldSz cx="12192000" cy="6858000"/>
   <p:notesSz cx="6858000" cy="9144000"/>
@@ -117,14 +118,6 @@
 </p:presentation>
 </file>
 
-<file path=ppt/revisionInfo.xml><?xml version="1.0" encoding="utf-8"?>
-<p1510:revInfo xmlns:a="http://schemas.openxmlformats.org/drawingml/2006/main" xmlns:r="http://schemas.openxmlformats.org/officeDocument/2006/relationships" xmlns:p1510="http://schemas.microsoft.com/office/powerpoint/2015/10/main">
-  <p1510:revLst>
-    <p1510:client id="{F7FBF023-0641-41EF-83F4-2BC331DE87E5}" v="134" dt="2022-11-18T22:47:42.732"/>
-  </p1510:revLst>
-</p1510:revInfo>
-</file>
-
 <file path=ppt/slideLayouts/slideLayout1.xml><?xml version="1.0" encoding="utf-8"?>
 <p:sldLayout xmlns:a="http://schemas.openxmlformats.org/drawingml/2006/main" xmlns:r="http://schemas.openxmlformats.org/officeDocument/2006/relationships" xmlns:p="http://schemas.openxmlformats.org/presentationml/2006/main" type="title" preserve="1">
   <p:cSld name="Title Slide">
@@ -279,7 +272,7 @@
           <a:p>
             <a:fld id="{11EAACC7-3B3F-47D1-959A-EF58926E955E}" type="datetimeFigureOut">
               <a:rPr lang="en-US" smtClean="0"/>
-              <a:t>11/18/2022</a:t>
+              <a:t>1/13/2023</a:t>
             </a:fld>
             <a:endParaRPr lang="en-US"/>
           </a:p>
@@ -477,7 +470,7 @@
           <a:p>
             <a:fld id="{11EAACC7-3B3F-47D1-959A-EF58926E955E}" type="datetimeFigureOut">
               <a:rPr lang="en-US" smtClean="0"/>
-              <a:t>11/18/2022</a:t>
+              <a:t>1/13/2023</a:t>
             </a:fld>
             <a:endParaRPr lang="en-US"/>
           </a:p>
@@ -685,7 +678,7 @@
           <a:p>
             <a:fld id="{11EAACC7-3B3F-47D1-959A-EF58926E955E}" type="datetimeFigureOut">
               <a:rPr lang="en-US" smtClean="0"/>
-              <a:t>11/18/2022</a:t>
+              <a:t>1/13/2023</a:t>
             </a:fld>
             <a:endParaRPr lang="en-US"/>
           </a:p>
@@ -914,7 +907,7 @@
           <a:p>
             <a:fld id="{11EAACC7-3B3F-47D1-959A-EF58926E955E}" type="datetimeFigureOut">
               <a:rPr lang="en-US" smtClean="0"/>
-              <a:t>11/18/2022</a:t>
+              <a:t>1/13/2023</a:t>
             </a:fld>
             <a:endParaRPr lang="en-US" dirty="0"/>
           </a:p>
@@ -1189,7 +1182,7 @@
           <a:p>
             <a:fld id="{11EAACC7-3B3F-47D1-959A-EF58926E955E}" type="datetimeFigureOut">
               <a:rPr lang="en-US" smtClean="0"/>
-              <a:t>11/18/2022</a:t>
+              <a:t>1/13/2023</a:t>
             </a:fld>
             <a:endParaRPr lang="en-US"/>
           </a:p>
@@ -1455,7 +1448,7 @@
           <a:p>
             <a:fld id="{11EAACC7-3B3F-47D1-959A-EF58926E955E}" type="datetimeFigureOut">
               <a:rPr lang="en-US" smtClean="0"/>
-              <a:t>11/18/2022</a:t>
+              <a:t>1/13/2023</a:t>
             </a:fld>
             <a:endParaRPr lang="en-US"/>
           </a:p>
@@ -1872,7 +1865,7 @@
           <a:p>
             <a:fld id="{11EAACC7-3B3F-47D1-959A-EF58926E955E}" type="datetimeFigureOut">
               <a:rPr lang="en-US" smtClean="0"/>
-              <a:t>11/18/2022</a:t>
+              <a:t>1/13/2023</a:t>
             </a:fld>
             <a:endParaRPr lang="en-US"/>
           </a:p>
@@ -2013,7 +2006,7 @@
           <a:p>
             <a:fld id="{11EAACC7-3B3F-47D1-959A-EF58926E955E}" type="datetimeFigureOut">
               <a:rPr lang="en-US" smtClean="0"/>
-              <a:t>11/18/2022</a:t>
+              <a:t>1/13/2023</a:t>
             </a:fld>
             <a:endParaRPr lang="en-US"/>
           </a:p>
@@ -2126,7 +2119,7 @@
           <a:p>
             <a:fld id="{11EAACC7-3B3F-47D1-959A-EF58926E955E}" type="datetimeFigureOut">
               <a:rPr lang="en-US" smtClean="0"/>
-              <a:t>11/18/2022</a:t>
+              <a:t>1/13/2023</a:t>
             </a:fld>
             <a:endParaRPr lang="en-US"/>
           </a:p>
@@ -2437,7 +2430,7 @@
           <a:p>
             <a:fld id="{11EAACC7-3B3F-47D1-959A-EF58926E955E}" type="datetimeFigureOut">
               <a:rPr lang="en-US" smtClean="0"/>
-              <a:t>11/18/2022</a:t>
+              <a:t>1/13/2023</a:t>
             </a:fld>
             <a:endParaRPr lang="en-US"/>
           </a:p>
@@ -2728,7 +2721,7 @@
           <a:p>
             <a:fld id="{11EAACC7-3B3F-47D1-959A-EF58926E955E}" type="datetimeFigureOut">
               <a:rPr lang="en-US" smtClean="0"/>
-              <a:t>11/18/2022</a:t>
+              <a:t>1/13/2023</a:t>
             </a:fld>
             <a:endParaRPr lang="en-US"/>
           </a:p>
@@ -3285,7 +3278,7 @@
           <a:p>
             <a:fld id="{11EAACC7-3B3F-47D1-959A-EF58926E955E}" type="datetimeFigureOut">
               <a:rPr lang="en-US" smtClean="0"/>
-              <a:t>11/18/2022</a:t>
+              <a:t>1/13/2023</a:t>
             </a:fld>
             <a:endParaRPr lang="en-US"/>
           </a:p>
@@ -3695,14 +3688,6 @@
 <file path=ppt/slides/slide1.xml><?xml version="1.0" encoding="utf-8"?>
 <p:sld xmlns:a="http://schemas.openxmlformats.org/drawingml/2006/main" xmlns:r="http://schemas.openxmlformats.org/officeDocument/2006/relationships" xmlns:p="http://schemas.openxmlformats.org/presentationml/2006/main">
   <p:cSld>
-    <p:bg>
-      <p:bgPr>
-        <a:solidFill>
-          <a:schemeClr val="bg1"/>
-        </a:solidFill>
-        <a:effectLst/>
-      </p:bgPr>
-    </p:bg>
     <p:spTree>
       <p:nvGrpSpPr>
         <p:cNvPr id="1" name=""/>
@@ -3717,583 +3702,12 @@
           <a:chExt cx="0" cy="0"/>
         </a:xfrm>
       </p:grpSpPr>
-      <p:sp useBgFill="1">
-        <p:nvSpPr>
-          <p:cNvPr id="8" name="Rectangle 7">
-            <a:extLst>
-              <a:ext uri="{FF2B5EF4-FFF2-40B4-BE49-F238E27FC236}">
-                <a16:creationId xmlns:a16="http://schemas.microsoft.com/office/drawing/2014/main" id="{3FA49195-69EB-4E39-A68A-C232E2D03EF8}"/>
-              </a:ext>
-              <a:ext uri="{C183D7F6-B498-43B3-948B-1728B52AA6E4}">
-                <adec:decorative xmlns:adec="http://schemas.microsoft.com/office/drawing/2017/decorative" val="1"/>
-              </a:ext>
-            </a:extLst>
-          </p:cNvPr>
-          <p:cNvSpPr>
-            <a:spLocks noGrp="1" noRot="1" noChangeAspect="1" noMove="1" noResize="1" noEditPoints="1" noAdjustHandles="1" noChangeArrowheads="1" noChangeShapeType="1" noTextEdit="1"/>
-          </p:cNvSpPr>
-          <p:nvPr>
-            <p:extLst>
-              <p:ext uri="{386F3935-93C4-4BCD-93E2-E3B085C9AB24}">
-                <p16:designElem xmlns:p16="http://schemas.microsoft.com/office/powerpoint/2015/main" val="1"/>
-              </p:ext>
-            </p:extLst>
-          </p:nvPr>
-        </p:nvSpPr>
-        <p:spPr>
-          <a:xfrm>
-            <a:off x="0" y="0"/>
-            <a:ext cx="12192000" cy="6858000"/>
-          </a:xfrm>
-          <a:prstGeom prst="rect">
-            <a:avLst/>
-          </a:prstGeom>
-          <a:ln w="12700" cap="flat" cmpd="sng" algn="ctr">
-            <a:noFill/>
-            <a:prstDash val="solid"/>
-            <a:miter lim="800000"/>
-          </a:ln>
-          <a:effectLst/>
-          <a:extLst>
-            <a:ext uri="{91240B29-F687-4F45-9708-019B960494DF}">
-              <a14:hiddenLine xmlns:a14="http://schemas.microsoft.com/office/drawing/2010/main" w="12700" cap="flat" cmpd="sng" algn="ctr">
-                <a:solidFill>
-                  <a:schemeClr val="accent1">
-                    <a:shade val="50000"/>
-                  </a:schemeClr>
-                </a:solidFill>
-                <a:prstDash val="solid"/>
-                <a:miter lim="800000"/>
-              </a14:hiddenLine>
-            </a:ext>
-          </a:extLst>
-        </p:spPr>
-        <p:style>
-          <a:lnRef idx="2">
-            <a:schemeClr val="accent1">
-              <a:shade val="50000"/>
-            </a:schemeClr>
-          </a:lnRef>
-          <a:fillRef idx="1">
-            <a:schemeClr val="accent1"/>
-          </a:fillRef>
-          <a:effectRef idx="0">
-            <a:schemeClr val="accent1"/>
-          </a:effectRef>
-          <a:fontRef idx="minor">
-            <a:schemeClr val="lt1"/>
-          </a:fontRef>
-        </p:style>
-        <p:txBody>
-          <a:bodyPr rtlCol="0" anchor="ctr"/>
-          <a:lstStyle/>
-          <a:p>
-            <a:pPr algn="ctr"/>
-            <a:endParaRPr lang="en-US"/>
-          </a:p>
-        </p:txBody>
-      </p:sp>
-      <p:sp>
-        <p:nvSpPr>
-          <p:cNvPr id="10" name="Rectangle 9">
-            <a:extLst>
-              <a:ext uri="{FF2B5EF4-FFF2-40B4-BE49-F238E27FC236}">
-                <a16:creationId xmlns:a16="http://schemas.microsoft.com/office/drawing/2014/main" id="{9A92F9DC-743D-47E7-A019-EE09540FB7B1}"/>
-              </a:ext>
-              <a:ext uri="{C183D7F6-B498-43B3-948B-1728B52AA6E4}">
-                <adec:decorative xmlns:adec="http://schemas.microsoft.com/office/drawing/2017/decorative" val="1"/>
-              </a:ext>
-            </a:extLst>
-          </p:cNvPr>
-          <p:cNvSpPr>
-            <a:spLocks noGrp="1" noRot="1" noChangeAspect="1" noMove="1" noResize="1" noEditPoints="1" noAdjustHandles="1" noChangeArrowheads="1" noChangeShapeType="1" noTextEdit="1"/>
-          </p:cNvSpPr>
-          <p:nvPr>
-            <p:extLst>
-              <p:ext uri="{386F3935-93C4-4BCD-93E2-E3B085C9AB24}">
-                <p16:designElem xmlns:p16="http://schemas.microsoft.com/office/powerpoint/2015/main" val="1"/>
-              </p:ext>
-            </p:extLst>
-          </p:nvPr>
-        </p:nvSpPr>
-        <p:spPr>
-          <a:xfrm>
-            <a:off x="0" y="1"/>
-            <a:ext cx="12192000" cy="6857998"/>
-          </a:xfrm>
-          <a:prstGeom prst="rect">
-            <a:avLst/>
-          </a:prstGeom>
-          <a:solidFill>
-            <a:schemeClr val="bg2"/>
-          </a:solidFill>
-          <a:ln>
-            <a:noFill/>
-          </a:ln>
-        </p:spPr>
-        <p:style>
-          <a:lnRef idx="2">
-            <a:schemeClr val="accent1">
-              <a:shade val="50000"/>
-            </a:schemeClr>
-          </a:lnRef>
-          <a:fillRef idx="1">
-            <a:schemeClr val="accent1"/>
-          </a:fillRef>
-          <a:effectRef idx="0">
-            <a:schemeClr val="accent1"/>
-          </a:effectRef>
-          <a:fontRef idx="minor">
-            <a:schemeClr val="lt1"/>
-          </a:fontRef>
-        </p:style>
-        <p:txBody>
-          <a:bodyPr rtlCol="0" anchor="ctr"/>
-          <a:lstStyle/>
-          <a:p>
-            <a:pPr algn="ctr"/>
-            <a:endParaRPr lang="en-US"/>
-          </a:p>
-        </p:txBody>
-      </p:sp>
-      <p:sp>
-        <p:nvSpPr>
-          <p:cNvPr id="2" name="Título 1"/>
-          <p:cNvSpPr>
-            <a:spLocks noGrp="1"/>
-          </p:cNvSpPr>
-          <p:nvPr>
-            <p:ph type="ctrTitle"/>
-          </p:nvPr>
-        </p:nvSpPr>
-        <p:spPr>
-          <a:xfrm>
-            <a:off x="2194560" y="1239078"/>
-            <a:ext cx="7802880" cy="1979686"/>
-          </a:xfrm>
-        </p:spPr>
-        <p:txBody>
-          <a:bodyPr>
-            <a:normAutofit/>
-          </a:bodyPr>
-          <a:lstStyle/>
-          <a:p>
-            <a:r>
-              <a:rPr lang="de-DE" dirty="0"/>
-              <a:t>RGB</a:t>
-            </a:r>
-          </a:p>
-        </p:txBody>
-      </p:sp>
-      <p:sp>
-        <p:nvSpPr>
-          <p:cNvPr id="3" name="Subtítulo 2"/>
-          <p:cNvSpPr>
-            <a:spLocks noGrp="1"/>
-          </p:cNvSpPr>
-          <p:nvPr>
-            <p:ph type="subTitle" idx="1"/>
-          </p:nvPr>
-        </p:nvSpPr>
-        <p:spPr>
-          <a:xfrm>
-            <a:off x="3017520" y="4617719"/>
-            <a:ext cx="6156961" cy="1259620"/>
-          </a:xfrm>
-        </p:spPr>
-        <p:txBody>
-          <a:bodyPr anchor="ctr">
-            <a:normAutofit/>
-          </a:bodyPr>
-          <a:lstStyle/>
-          <a:p>
-            <a:r>
-              <a:rPr lang="de-DE" dirty="0"/>
-              <a:t>Rede social </a:t>
-            </a:r>
-            <a:r>
-              <a:rPr lang="de-DE" dirty="0" err="1"/>
-              <a:t>para</a:t>
-            </a:r>
-            <a:r>
-              <a:rPr lang="de-DE" dirty="0"/>
-              <a:t> </a:t>
-            </a:r>
-            <a:r>
-              <a:rPr lang="de-DE" dirty="0" err="1"/>
-              <a:t>discussão</a:t>
-            </a:r>
-            <a:r>
-              <a:rPr lang="de-DE" dirty="0"/>
-              <a:t> de </a:t>
-            </a:r>
-            <a:r>
-              <a:rPr lang="de-DE" dirty="0" err="1"/>
-              <a:t>tecnologia</a:t>
-            </a:r>
-          </a:p>
-        </p:txBody>
-      </p:sp>
-      <p:cxnSp>
-        <p:nvCxnSpPr>
-          <p:cNvPr id="12" name="Straight Connector 11">
-            <a:extLst>
-              <a:ext uri="{FF2B5EF4-FFF2-40B4-BE49-F238E27FC236}">
-                <a16:creationId xmlns:a16="http://schemas.microsoft.com/office/drawing/2014/main" id="{13280B82-CD55-43FD-92C4-F05E2A8D1367}"/>
-              </a:ext>
-              <a:ext uri="{C183D7F6-B498-43B3-948B-1728B52AA6E4}">
-                <adec:decorative xmlns:adec="http://schemas.microsoft.com/office/drawing/2017/decorative" val="1"/>
-              </a:ext>
-            </a:extLst>
-          </p:cNvPr>
-          <p:cNvCxnSpPr>
-            <a:cxnSpLocks noGrp="1" noRot="1" noChangeAspect="1" noMove="1" noResize="1" noEditPoints="1" noAdjustHandles="1" noChangeArrowheads="1" noChangeShapeType="1"/>
-          </p:cNvCxnSpPr>
-          <p:nvPr>
-            <p:extLst>
-              <p:ext uri="{386F3935-93C4-4BCD-93E2-E3B085C9AB24}">
-                <p16:designElem xmlns:p16="http://schemas.microsoft.com/office/powerpoint/2015/main" val="1"/>
-              </p:ext>
-            </p:extLst>
-          </p:nvPr>
-        </p:nvCxnSpPr>
-        <p:spPr>
-          <a:xfrm flipH="1">
-            <a:off x="-17932" y="19556"/>
-            <a:ext cx="8547253" cy="2322324"/>
-          </a:xfrm>
-          <a:prstGeom prst="line">
-            <a:avLst/>
-          </a:prstGeom>
-          <a:ln w="12700">
-            <a:solidFill>
-              <a:schemeClr val="accent2">
-                <a:alpha val="70000"/>
-              </a:schemeClr>
-            </a:solidFill>
-          </a:ln>
-        </p:spPr>
-        <p:style>
-          <a:lnRef idx="1">
-            <a:schemeClr val="accent1"/>
-          </a:lnRef>
-          <a:fillRef idx="0">
-            <a:schemeClr val="accent1"/>
-          </a:fillRef>
-          <a:effectRef idx="0">
-            <a:schemeClr val="accent1"/>
-          </a:effectRef>
-          <a:fontRef idx="minor">
-            <a:schemeClr val="tx1"/>
-          </a:fontRef>
-        </p:style>
-      </p:cxnSp>
-      <p:cxnSp>
-        <p:nvCxnSpPr>
-          <p:cNvPr id="14" name="Straight Connector 13">
-            <a:extLst>
-              <a:ext uri="{FF2B5EF4-FFF2-40B4-BE49-F238E27FC236}">
-                <a16:creationId xmlns:a16="http://schemas.microsoft.com/office/drawing/2014/main" id="{B0A4F542-D561-4AFB-8321-EB900BAF0A0E}"/>
-              </a:ext>
-              <a:ext uri="{C183D7F6-B498-43B3-948B-1728B52AA6E4}">
-                <adec:decorative xmlns:adec="http://schemas.microsoft.com/office/drawing/2017/decorative" val="1"/>
-              </a:ext>
-            </a:extLst>
-          </p:cNvPr>
-          <p:cNvCxnSpPr>
-            <a:cxnSpLocks noGrp="1" noRot="1" noChangeAspect="1" noMove="1" noResize="1" noEditPoints="1" noAdjustHandles="1" noChangeArrowheads="1" noChangeShapeType="1"/>
-          </p:cNvCxnSpPr>
-          <p:nvPr>
-            <p:extLst>
-              <p:ext uri="{386F3935-93C4-4BCD-93E2-E3B085C9AB24}">
-                <p16:designElem xmlns:p16="http://schemas.microsoft.com/office/powerpoint/2015/main" val="1"/>
-              </p:ext>
-            </p:extLst>
-          </p:nvPr>
-        </p:nvCxnSpPr>
-        <p:spPr>
-          <a:xfrm flipH="1">
-            <a:off x="-17931" y="0"/>
-            <a:ext cx="1461005" cy="4617720"/>
-          </a:xfrm>
-          <a:prstGeom prst="line">
-            <a:avLst/>
-          </a:prstGeom>
-          <a:ln w="12700">
-            <a:solidFill>
-              <a:schemeClr val="accent2">
-                <a:alpha val="70000"/>
-              </a:schemeClr>
-            </a:solidFill>
-          </a:ln>
-        </p:spPr>
-        <p:style>
-          <a:lnRef idx="1">
-            <a:schemeClr val="accent1"/>
-          </a:lnRef>
-          <a:fillRef idx="0">
-            <a:schemeClr val="accent1"/>
-          </a:fillRef>
-          <a:effectRef idx="0">
-            <a:schemeClr val="accent1"/>
-          </a:effectRef>
-          <a:fontRef idx="minor">
-            <a:schemeClr val="tx1"/>
-          </a:fontRef>
-        </p:style>
-      </p:cxnSp>
-      <p:cxnSp>
-        <p:nvCxnSpPr>
-          <p:cNvPr id="16" name="Straight Connector 15">
-            <a:extLst>
-              <a:ext uri="{FF2B5EF4-FFF2-40B4-BE49-F238E27FC236}">
-                <a16:creationId xmlns:a16="http://schemas.microsoft.com/office/drawing/2014/main" id="{A4D9248B-0006-4BFE-8110-40C16E45C0AC}"/>
-              </a:ext>
-              <a:ext uri="{C183D7F6-B498-43B3-948B-1728B52AA6E4}">
-                <adec:decorative xmlns:adec="http://schemas.microsoft.com/office/drawing/2017/decorative" val="1"/>
-              </a:ext>
-            </a:extLst>
-          </p:cNvPr>
-          <p:cNvCxnSpPr>
-            <a:cxnSpLocks noGrp="1" noRot="1" noChangeAspect="1" noMove="1" noResize="1" noEditPoints="1" noAdjustHandles="1" noChangeArrowheads="1" noChangeShapeType="1"/>
-          </p:cNvCxnSpPr>
-          <p:nvPr>
-            <p:extLst>
-              <p:ext uri="{386F3935-93C4-4BCD-93E2-E3B085C9AB24}">
-                <p16:designElem xmlns:p16="http://schemas.microsoft.com/office/powerpoint/2015/main" val="1"/>
-              </p:ext>
-            </p:extLst>
-          </p:nvPr>
-        </p:nvCxnSpPr>
-        <p:spPr>
-          <a:xfrm flipH="1">
-            <a:off x="8935720" y="3957320"/>
-            <a:ext cx="3272713" cy="2900679"/>
-          </a:xfrm>
-          <a:prstGeom prst="line">
-            <a:avLst/>
-          </a:prstGeom>
-          <a:ln w="12700">
-            <a:solidFill>
-              <a:schemeClr val="accent2">
-                <a:alpha val="70000"/>
-              </a:schemeClr>
-            </a:solidFill>
-          </a:ln>
-        </p:spPr>
-        <p:style>
-          <a:lnRef idx="1">
-            <a:schemeClr val="accent1"/>
-          </a:lnRef>
-          <a:fillRef idx="0">
-            <a:schemeClr val="accent1"/>
-          </a:fillRef>
-          <a:effectRef idx="0">
-            <a:schemeClr val="accent1"/>
-          </a:effectRef>
-          <a:fontRef idx="minor">
-            <a:schemeClr val="tx1"/>
-          </a:fontRef>
-        </p:style>
-      </p:cxnSp>
-      <p:cxnSp>
-        <p:nvCxnSpPr>
-          <p:cNvPr id="18" name="Straight Connector 17">
-            <a:extLst>
-              <a:ext uri="{FF2B5EF4-FFF2-40B4-BE49-F238E27FC236}">
-                <a16:creationId xmlns:a16="http://schemas.microsoft.com/office/drawing/2014/main" id="{EE593BB5-7AFA-4C8F-AECA-CE733B1FD09E}"/>
-              </a:ext>
-              <a:ext uri="{C183D7F6-B498-43B3-948B-1728B52AA6E4}">
-                <adec:decorative xmlns:adec="http://schemas.microsoft.com/office/drawing/2017/decorative" val="1"/>
-              </a:ext>
-            </a:extLst>
-          </p:cNvPr>
-          <p:cNvCxnSpPr>
-            <a:cxnSpLocks noGrp="1" noRot="1" noChangeAspect="1" noMove="1" noResize="1" noEditPoints="1" noAdjustHandles="1" noChangeArrowheads="1" noChangeShapeType="1"/>
-          </p:cNvCxnSpPr>
-          <p:nvPr>
-            <p:extLst>
-              <p:ext uri="{386F3935-93C4-4BCD-93E2-E3B085C9AB24}">
-                <p16:designElem xmlns:p16="http://schemas.microsoft.com/office/powerpoint/2015/main" val="1"/>
-              </p:ext>
-            </p:extLst>
-          </p:nvPr>
-        </p:nvCxnSpPr>
-        <p:spPr>
-          <a:xfrm>
-            <a:off x="10393326" y="0"/>
-            <a:ext cx="1332509" cy="6857999"/>
-          </a:xfrm>
-          <a:prstGeom prst="line">
-            <a:avLst/>
-          </a:prstGeom>
-          <a:ln w="12700">
-            <a:solidFill>
-              <a:schemeClr val="accent2">
-                <a:alpha val="70000"/>
-              </a:schemeClr>
-            </a:solidFill>
-          </a:ln>
-        </p:spPr>
-        <p:style>
-          <a:lnRef idx="1">
-            <a:schemeClr val="accent1"/>
-          </a:lnRef>
-          <a:fillRef idx="0">
-            <a:schemeClr val="accent1"/>
-          </a:fillRef>
-          <a:effectRef idx="0">
-            <a:schemeClr val="accent1"/>
-          </a:effectRef>
-          <a:fontRef idx="minor">
-            <a:schemeClr val="tx1"/>
-          </a:fontRef>
-        </p:style>
-      </p:cxnSp>
-      <p:cxnSp>
-        <p:nvCxnSpPr>
-          <p:cNvPr id="20" name="Straight Connector 19">
-            <a:extLst>
-              <a:ext uri="{FF2B5EF4-FFF2-40B4-BE49-F238E27FC236}">
-                <a16:creationId xmlns:a16="http://schemas.microsoft.com/office/drawing/2014/main" id="{F521483B-CE28-412B-9C71-9BE081E9DCE3}"/>
-              </a:ext>
-              <a:ext uri="{C183D7F6-B498-43B3-948B-1728B52AA6E4}">
-                <adec:decorative xmlns:adec="http://schemas.microsoft.com/office/drawing/2017/decorative" val="1"/>
-              </a:ext>
-            </a:extLst>
-          </p:cNvPr>
-          <p:cNvCxnSpPr>
-            <a:cxnSpLocks noGrp="1" noRot="1" noChangeAspect="1" noMove="1" noResize="1" noEditPoints="1" noAdjustHandles="1" noChangeArrowheads="1" noChangeShapeType="1"/>
-          </p:cNvCxnSpPr>
-          <p:nvPr>
-            <p:extLst>
-              <p:ext uri="{386F3935-93C4-4BCD-93E2-E3B085C9AB24}">
-                <p16:designElem xmlns:p16="http://schemas.microsoft.com/office/powerpoint/2015/main" val="1"/>
-              </p:ext>
-            </p:extLst>
-          </p:nvPr>
-        </p:nvCxnSpPr>
-        <p:spPr>
-          <a:xfrm flipH="1" flipV="1">
-            <a:off x="6537960" y="0"/>
-            <a:ext cx="5654039" cy="2206257"/>
-          </a:xfrm>
-          <a:prstGeom prst="line">
-            <a:avLst/>
-          </a:prstGeom>
-          <a:ln w="12700">
-            <a:solidFill>
-              <a:schemeClr val="accent2">
-                <a:alpha val="70000"/>
-              </a:schemeClr>
-            </a:solidFill>
-          </a:ln>
-        </p:spPr>
-        <p:style>
-          <a:lnRef idx="1">
-            <a:schemeClr val="accent1"/>
-          </a:lnRef>
-          <a:fillRef idx="0">
-            <a:schemeClr val="accent1"/>
-          </a:fillRef>
-          <a:effectRef idx="0">
-            <a:schemeClr val="accent1"/>
-          </a:effectRef>
-          <a:fontRef idx="minor">
-            <a:schemeClr val="tx1"/>
-          </a:fontRef>
-        </p:style>
-      </p:cxnSp>
-      <p:cxnSp>
-        <p:nvCxnSpPr>
-          <p:cNvPr id="22" name="Straight Connector 21">
-            <a:extLst>
-              <a:ext uri="{FF2B5EF4-FFF2-40B4-BE49-F238E27FC236}">
-                <a16:creationId xmlns:a16="http://schemas.microsoft.com/office/drawing/2014/main" id="{EC9F4738-DD27-44BE-98C6-AB0B2296BD26}"/>
-              </a:ext>
-              <a:ext uri="{C183D7F6-B498-43B3-948B-1728B52AA6E4}">
-                <adec:decorative xmlns:adec="http://schemas.microsoft.com/office/drawing/2017/decorative" val="1"/>
-              </a:ext>
-            </a:extLst>
-          </p:cNvPr>
-          <p:cNvCxnSpPr>
-            <a:cxnSpLocks noGrp="1" noRot="1" noChangeAspect="1" noMove="1" noResize="1" noEditPoints="1" noAdjustHandles="1" noChangeArrowheads="1" noChangeShapeType="1"/>
-          </p:cNvCxnSpPr>
-          <p:nvPr>
-            <p:extLst>
-              <p:ext uri="{386F3935-93C4-4BCD-93E2-E3B085C9AB24}">
-                <p16:designElem xmlns:p16="http://schemas.microsoft.com/office/powerpoint/2015/main" val="1"/>
-              </p:ext>
-            </p:extLst>
-          </p:nvPr>
-        </p:nvCxnSpPr>
-        <p:spPr>
-          <a:xfrm flipH="1" flipV="1">
-            <a:off x="1" y="5196840"/>
-            <a:ext cx="5181599" cy="1641604"/>
-          </a:xfrm>
-          <a:prstGeom prst="line">
-            <a:avLst/>
-          </a:prstGeom>
-          <a:ln w="12700">
-            <a:solidFill>
-              <a:schemeClr val="accent2">
-                <a:alpha val="70000"/>
-              </a:schemeClr>
-            </a:solidFill>
-          </a:ln>
-        </p:spPr>
-        <p:style>
-          <a:lnRef idx="1">
-            <a:schemeClr val="accent1"/>
-          </a:lnRef>
-          <a:fillRef idx="0">
-            <a:schemeClr val="accent1"/>
-          </a:fillRef>
-          <a:effectRef idx="0">
-            <a:schemeClr val="accent1"/>
-          </a:effectRef>
-          <a:fontRef idx="minor">
-            <a:schemeClr val="tx1"/>
-          </a:fontRef>
-        </p:style>
-      </p:cxnSp>
-    </p:spTree>
-    <p:extLst>
-      <p:ext uri="{BB962C8B-B14F-4D97-AF65-F5344CB8AC3E}">
-        <p14:creationId xmlns:p14="http://schemas.microsoft.com/office/powerpoint/2010/main" val="2210866551"/>
-      </p:ext>
-    </p:extLst>
-  </p:cSld>
-  <p:clrMapOvr>
-    <a:masterClrMapping/>
-  </p:clrMapOvr>
-</p:sld>
-</file>
-
-<file path=ppt/slides/slide2.xml><?xml version="1.0" encoding="utf-8"?>
-<p:sld xmlns:a="http://schemas.openxmlformats.org/drawingml/2006/main" xmlns:r="http://schemas.openxmlformats.org/officeDocument/2006/relationships" xmlns:p="http://schemas.openxmlformats.org/presentationml/2006/main">
-  <p:cSld>
-    <p:spTree>
-      <p:nvGrpSpPr>
-        <p:cNvPr id="1" name=""/>
-        <p:cNvGrpSpPr/>
-        <p:nvPr/>
-      </p:nvGrpSpPr>
-      <p:grpSpPr>
-        <a:xfrm>
-          <a:off x="0" y="0"/>
-          <a:ext cx="0" cy="0"/>
-          <a:chOff x="0" y="0"/>
-          <a:chExt cx="0" cy="0"/>
-        </a:xfrm>
-      </p:grpSpPr>
       <p:sp>
         <p:nvSpPr>
           <p:cNvPr id="2" name="Título 1">
             <a:extLst>
               <a:ext uri="{FF2B5EF4-FFF2-40B4-BE49-F238E27FC236}">
-                <a16:creationId xmlns:a16="http://schemas.microsoft.com/office/drawing/2014/main" id="{187D6390-A260-ABFE-14C5-220EB6DD58FB}"/>
+                <a16:creationId xmlns:a16="http://schemas.microsoft.com/office/drawing/2014/main" id="{E35D3D48-41C1-935D-5272-1837E8265CA3}"/>
               </a:ext>
             </a:extLst>
           </p:cNvPr>
@@ -4311,137 +3725,7 @@
           <a:p>
             <a:r>
               <a:rPr lang="pt-BR" dirty="0"/>
-              <a:t>Funcionalidades</a:t>
-            </a:r>
-          </a:p>
-        </p:txBody>
-      </p:sp>
-      <p:sp>
-        <p:nvSpPr>
-          <p:cNvPr id="3" name="Espaço Reservado para Conteúdo 2">
-            <a:extLst>
-              <a:ext uri="{FF2B5EF4-FFF2-40B4-BE49-F238E27FC236}">
-                <a16:creationId xmlns:a16="http://schemas.microsoft.com/office/drawing/2014/main" id="{31CC5623-196B-7B51-680D-1147ABBAB28E}"/>
-              </a:ext>
-            </a:extLst>
-          </p:cNvPr>
-          <p:cNvSpPr>
-            <a:spLocks noGrp="1"/>
-          </p:cNvSpPr>
-          <p:nvPr>
-            <p:ph idx="1"/>
-          </p:nvPr>
-        </p:nvSpPr>
-        <p:spPr/>
-        <p:txBody>
-          <a:bodyPr vert="horz" lIns="91440" tIns="45720" rIns="91440" bIns="45720" rtlCol="0" anchor="t">
-            <a:normAutofit/>
-          </a:bodyPr>
-          <a:lstStyle/>
-          <a:p>
-            <a:r>
-              <a:rPr lang="pt-BR" dirty="0"/>
-              <a:t>Cadastro de usuário.</a:t>
-            </a:r>
-          </a:p>
-          <a:p>
-            <a:r>
-              <a:rPr lang="pt-BR" dirty="0"/>
-              <a:t>Login de usuário.</a:t>
-            </a:r>
-          </a:p>
-          <a:p>
-            <a:r>
-              <a:rPr lang="pt-BR" dirty="0"/>
-              <a:t>Recuperação de senha</a:t>
-            </a:r>
-          </a:p>
-          <a:p>
-            <a:r>
-              <a:rPr lang="pt-BR" dirty="0"/>
-              <a:t>Sistema de Postagem</a:t>
-            </a:r>
-          </a:p>
-          <a:p>
-            <a:r>
-              <a:rPr lang="pt-BR" dirty="0"/>
-              <a:t>Sessão de comentários nos posts</a:t>
-            </a:r>
-          </a:p>
-          <a:p>
-            <a:r>
-              <a:rPr lang="pt-BR" dirty="0"/>
-              <a:t>Edição de Perfil</a:t>
-            </a:r>
-          </a:p>
-          <a:p>
-            <a:r>
-              <a:rPr lang="pt-BR" dirty="0"/>
-              <a:t>Sistema de votos nos posts</a:t>
-            </a:r>
-          </a:p>
-          <a:p>
-            <a:pPr marL="0" indent="0">
-              <a:buNone/>
-            </a:pPr>
-            <a:endParaRPr lang="pt-BR" dirty="0"/>
-          </a:p>
-        </p:txBody>
-      </p:sp>
-    </p:spTree>
-    <p:extLst>
-      <p:ext uri="{BB962C8B-B14F-4D97-AF65-F5344CB8AC3E}">
-        <p14:creationId xmlns:p14="http://schemas.microsoft.com/office/powerpoint/2010/main" val="2015310929"/>
-      </p:ext>
-    </p:extLst>
-  </p:cSld>
-  <p:clrMapOvr>
-    <a:masterClrMapping/>
-  </p:clrMapOvr>
-</p:sld>
-</file>
-
-<file path=ppt/slides/slide3.xml><?xml version="1.0" encoding="utf-8"?>
-<p:sld xmlns:a="http://schemas.openxmlformats.org/drawingml/2006/main" xmlns:r="http://schemas.openxmlformats.org/officeDocument/2006/relationships" xmlns:p="http://schemas.openxmlformats.org/presentationml/2006/main">
-  <p:cSld>
-    <p:spTree>
-      <p:nvGrpSpPr>
-        <p:cNvPr id="1" name=""/>
-        <p:cNvGrpSpPr/>
-        <p:nvPr/>
-      </p:nvGrpSpPr>
-      <p:grpSpPr>
-        <a:xfrm>
-          <a:off x="0" y="0"/>
-          <a:ext cx="0" cy="0"/>
-          <a:chOff x="0" y="0"/>
-          <a:chExt cx="0" cy="0"/>
-        </a:xfrm>
-      </p:grpSpPr>
-      <p:sp>
-        <p:nvSpPr>
-          <p:cNvPr id="2" name="Título 1">
-            <a:extLst>
-              <a:ext uri="{FF2B5EF4-FFF2-40B4-BE49-F238E27FC236}">
-                <a16:creationId xmlns:a16="http://schemas.microsoft.com/office/drawing/2014/main" id="{E35D3D48-41C1-935D-5272-1837E8265CA3}"/>
-              </a:ext>
-            </a:extLst>
-          </p:cNvPr>
-          <p:cNvSpPr>
-            <a:spLocks noGrp="1"/>
-          </p:cNvSpPr>
-          <p:nvPr>
-            <p:ph type="title"/>
-          </p:nvPr>
-        </p:nvSpPr>
-        <p:spPr/>
-        <p:txBody>
-          <a:bodyPr/>
-          <a:lstStyle/>
-          <a:p>
-            <a:r>
-              <a:rPr lang="pt-BR" dirty="0"/>
-              <a:t>Protótipo de telas</a:t>
+              <a:t>Versão inicial </a:t>
             </a:r>
           </a:p>
         </p:txBody>
@@ -4488,7 +3772,7 @@
 </p:sld>
 </file>
 
-<file path=ppt/slides/slide4.xml><?xml version="1.0" encoding="utf-8"?>
+<file path=ppt/slides/slide2.xml><?xml version="1.0" encoding="utf-8"?>
 <p:sld xmlns:a="http://schemas.openxmlformats.org/drawingml/2006/main" xmlns:r="http://schemas.openxmlformats.org/officeDocument/2006/relationships" xmlns:p="http://schemas.openxmlformats.org/presentationml/2006/main">
   <p:cSld>
     <p:spTree>
@@ -4547,7 +3831,7 @@
 </p:sld>
 </file>
 
-<file path=ppt/slides/slide5.xml><?xml version="1.0" encoding="utf-8"?>
+<file path=ppt/slides/slide3.xml><?xml version="1.0" encoding="utf-8"?>
 <p:sld xmlns:a="http://schemas.openxmlformats.org/drawingml/2006/main" xmlns:r="http://schemas.openxmlformats.org/officeDocument/2006/relationships" xmlns:p="http://schemas.openxmlformats.org/presentationml/2006/main">
   <p:cSld>
     <p:spTree>
@@ -4607,7 +3891,7 @@
 </p:sld>
 </file>
 
-<file path=ppt/slides/slide6.xml><?xml version="1.0" encoding="utf-8"?>
+<file path=ppt/slides/slide4.xml><?xml version="1.0" encoding="utf-8"?>
 <p:sld xmlns:a="http://schemas.openxmlformats.org/drawingml/2006/main" xmlns:r="http://schemas.openxmlformats.org/officeDocument/2006/relationships" xmlns:p="http://schemas.openxmlformats.org/presentationml/2006/main">
   <p:cSld>
     <p:spTree>
@@ -4718,6 +4002,211 @@
     <p:extLst>
       <p:ext uri="{BB962C8B-B14F-4D97-AF65-F5344CB8AC3E}">
         <p14:creationId xmlns:p14="http://schemas.microsoft.com/office/powerpoint/2010/main" val="3234668430"/>
+      </p:ext>
+    </p:extLst>
+  </p:cSld>
+  <p:clrMapOvr>
+    <a:masterClrMapping/>
+  </p:clrMapOvr>
+</p:sld>
+</file>
+
+<file path=ppt/slides/slide5.xml><?xml version="1.0" encoding="utf-8"?>
+<p:sld xmlns:a="http://schemas.openxmlformats.org/drawingml/2006/main" xmlns:r="http://schemas.openxmlformats.org/officeDocument/2006/relationships" xmlns:p="http://schemas.openxmlformats.org/presentationml/2006/main">
+  <p:cSld>
+    <p:spTree>
+      <p:nvGrpSpPr>
+        <p:cNvPr id="1" name=""/>
+        <p:cNvGrpSpPr/>
+        <p:nvPr/>
+      </p:nvGrpSpPr>
+      <p:grpSpPr>
+        <a:xfrm>
+          <a:off x="0" y="0"/>
+          <a:ext cx="0" cy="0"/>
+          <a:chOff x="0" y="0"/>
+          <a:chExt cx="0" cy="0"/>
+        </a:xfrm>
+      </p:grpSpPr>
+      <p:sp>
+        <p:nvSpPr>
+          <p:cNvPr id="2" name="Título 1">
+            <a:extLst>
+              <a:ext uri="{FF2B5EF4-FFF2-40B4-BE49-F238E27FC236}">
+                <a16:creationId xmlns:a16="http://schemas.microsoft.com/office/drawing/2014/main" id="{AA986DCE-ABDF-85A9-45DA-40EBD30BF399}"/>
+              </a:ext>
+            </a:extLst>
+          </p:cNvPr>
+          <p:cNvSpPr>
+            <a:spLocks noGrp="1"/>
+          </p:cNvSpPr>
+          <p:nvPr>
+            <p:ph type="title"/>
+          </p:nvPr>
+        </p:nvSpPr>
+        <p:spPr/>
+        <p:txBody>
+          <a:bodyPr/>
+          <a:lstStyle/>
+          <a:p>
+            <a:r>
+              <a:rPr lang="pt-BR" dirty="0"/>
+              <a:t>Versão atual</a:t>
+            </a:r>
+          </a:p>
+        </p:txBody>
+      </p:sp>
+      <p:pic>
+        <p:nvPicPr>
+          <p:cNvPr id="9" name="Espaço Reservado para Conteúdo 8">
+            <a:extLst>
+              <a:ext uri="{FF2B5EF4-FFF2-40B4-BE49-F238E27FC236}">
+                <a16:creationId xmlns:a16="http://schemas.microsoft.com/office/drawing/2014/main" id="{320A4298-3F34-971A-1239-D5FED8DE4ECF}"/>
+              </a:ext>
+            </a:extLst>
+          </p:cNvPr>
+          <p:cNvPicPr>
+            <a:picLocks noGrp="1" noChangeAspect="1"/>
+          </p:cNvPicPr>
+          <p:nvPr>
+            <p:ph idx="1"/>
+          </p:nvPr>
+        </p:nvPicPr>
+        <p:blipFill>
+          <a:blip r:embed="rId2"/>
+          <a:stretch>
+            <a:fillRect/>
+          </a:stretch>
+        </p:blipFill>
+        <p:spPr>
+          <a:xfrm>
+            <a:off x="563203" y="1536112"/>
+            <a:ext cx="11121696" cy="5063471"/>
+          </a:xfrm>
+        </p:spPr>
+      </p:pic>
+    </p:spTree>
+    <p:extLst>
+      <p:ext uri="{BB962C8B-B14F-4D97-AF65-F5344CB8AC3E}">
+        <p14:creationId xmlns:p14="http://schemas.microsoft.com/office/powerpoint/2010/main" val="1417107278"/>
+      </p:ext>
+    </p:extLst>
+  </p:cSld>
+  <p:clrMapOvr>
+    <a:masterClrMapping/>
+  </p:clrMapOvr>
+</p:sld>
+</file>
+
+<file path=ppt/slides/slide6.xml><?xml version="1.0" encoding="utf-8"?>
+<p:sld xmlns:a="http://schemas.openxmlformats.org/drawingml/2006/main" xmlns:r="http://schemas.openxmlformats.org/officeDocument/2006/relationships" xmlns:p="http://schemas.openxmlformats.org/presentationml/2006/main">
+  <p:cSld>
+    <p:spTree>
+      <p:nvGrpSpPr>
+        <p:cNvPr id="1" name=""/>
+        <p:cNvGrpSpPr/>
+        <p:nvPr/>
+      </p:nvGrpSpPr>
+      <p:grpSpPr>
+        <a:xfrm>
+          <a:off x="0" y="0"/>
+          <a:ext cx="0" cy="0"/>
+          <a:chOff x="0" y="0"/>
+          <a:chExt cx="0" cy="0"/>
+        </a:xfrm>
+      </p:grpSpPr>
+      <p:pic>
+        <p:nvPicPr>
+          <p:cNvPr id="5" name="Espaço Reservado para Conteúdo 4">
+            <a:extLst>
+              <a:ext uri="{FF2B5EF4-FFF2-40B4-BE49-F238E27FC236}">
+                <a16:creationId xmlns:a16="http://schemas.microsoft.com/office/drawing/2014/main" id="{C11C9569-8F88-3B39-1693-34ED651399EE}"/>
+              </a:ext>
+            </a:extLst>
+          </p:cNvPr>
+          <p:cNvPicPr>
+            <a:picLocks noGrp="1" noChangeAspect="1"/>
+          </p:cNvPicPr>
+          <p:nvPr>
+            <p:ph idx="1"/>
+          </p:nvPr>
+        </p:nvPicPr>
+        <p:blipFill>
+          <a:blip r:embed="rId2"/>
+          <a:stretch>
+            <a:fillRect/>
+          </a:stretch>
+        </p:blipFill>
+        <p:spPr>
+          <a:xfrm>
+            <a:off x="0" y="0"/>
+            <a:ext cx="12023590" cy="4439478"/>
+          </a:xfrm>
+        </p:spPr>
+      </p:pic>
+    </p:spTree>
+    <p:extLst>
+      <p:ext uri="{BB962C8B-B14F-4D97-AF65-F5344CB8AC3E}">
+        <p14:creationId xmlns:p14="http://schemas.microsoft.com/office/powerpoint/2010/main" val="2584878286"/>
+      </p:ext>
+    </p:extLst>
+  </p:cSld>
+  <p:clrMapOvr>
+    <a:masterClrMapping/>
+  </p:clrMapOvr>
+</p:sld>
+</file>
+
+<file path=ppt/slides/slide7.xml><?xml version="1.0" encoding="utf-8"?>
+<p:sld xmlns:a="http://schemas.openxmlformats.org/drawingml/2006/main" xmlns:r="http://schemas.openxmlformats.org/officeDocument/2006/relationships" xmlns:p="http://schemas.openxmlformats.org/presentationml/2006/main">
+  <p:cSld>
+    <p:spTree>
+      <p:nvGrpSpPr>
+        <p:cNvPr id="1" name=""/>
+        <p:cNvGrpSpPr/>
+        <p:nvPr/>
+      </p:nvGrpSpPr>
+      <p:grpSpPr>
+        <a:xfrm>
+          <a:off x="0" y="0"/>
+          <a:ext cx="0" cy="0"/>
+          <a:chOff x="0" y="0"/>
+          <a:chExt cx="0" cy="0"/>
+        </a:xfrm>
+      </p:grpSpPr>
+      <p:pic>
+        <p:nvPicPr>
+          <p:cNvPr id="5" name="Espaço Reservado para Conteúdo 4">
+            <a:extLst>
+              <a:ext uri="{FF2B5EF4-FFF2-40B4-BE49-F238E27FC236}">
+                <a16:creationId xmlns:a16="http://schemas.microsoft.com/office/drawing/2014/main" id="{CCBD2C0D-5EF6-1244-C5F2-F1ECE45A4288}"/>
+              </a:ext>
+            </a:extLst>
+          </p:cNvPr>
+          <p:cNvPicPr>
+            <a:picLocks noGrp="1" noChangeAspect="1"/>
+          </p:cNvPicPr>
+          <p:nvPr>
+            <p:ph idx="1"/>
+          </p:nvPr>
+        </p:nvPicPr>
+        <p:blipFill>
+          <a:blip r:embed="rId2"/>
+          <a:stretch>
+            <a:fillRect/>
+          </a:stretch>
+        </p:blipFill>
+        <p:spPr>
+          <a:xfrm>
+            <a:off x="-1" y="0"/>
+            <a:ext cx="12164859" cy="5565913"/>
+          </a:xfrm>
+        </p:spPr>
+      </p:pic>
+    </p:spTree>
+    <p:extLst>
+      <p:ext uri="{BB962C8B-B14F-4D97-AF65-F5344CB8AC3E}">
+        <p14:creationId xmlns:p14="http://schemas.microsoft.com/office/powerpoint/2010/main" val="331565686"/>
       </p:ext>
     </p:extLst>
   </p:cSld>
